--- a/slides/缺失信息对图计算迭代过程的影响.pptx
+++ b/slides/缺失信息对图计算迭代过程的影响.pptx
@@ -5,7 +5,7 @@
     <p:sldMasterId id="2147483648" r:id="rId1"/>
   </p:sldMasterIdLst>
   <p:notesMasterIdLst>
-    <p:notesMasterId r:id="rId12"/>
+    <p:notesMasterId r:id="rId13"/>
   </p:notesMasterIdLst>
   <p:sldIdLst>
     <p:sldId id="2226" r:id="rId2"/>
@@ -18,6 +18,7 @@
     <p:sldId id="2327" r:id="rId9"/>
     <p:sldId id="2355" r:id="rId10"/>
     <p:sldId id="2316" r:id="rId11"/>
+    <p:sldId id="2356" r:id="rId12"/>
   </p:sldIdLst>
   <p:sldSz cx="24377650" cy="13716000"/>
   <p:notesSz cx="6858000" cy="9144000"/>
@@ -838,6 +839,91 @@
     <p:extLst>
       <p:ext uri="{BB962C8B-B14F-4D97-AF65-F5344CB8AC3E}">
         <p14:creationId xmlns:p14="http://schemas.microsoft.com/office/powerpoint/2010/main" val="200072050"/>
+      </p:ext>
+    </p:extLst>
+  </p:cSld>
+  <p:clrMapOvr>
+    <a:masterClrMapping/>
+  </p:clrMapOvr>
+</p:notes>
+</file>
+
+<file path=ppt/notesSlides/notesSlide5.xml><?xml version="1.0" encoding="utf-8"?>
+<p:notes xmlns:a="http://schemas.openxmlformats.org/drawingml/2006/main" xmlns:r="http://schemas.openxmlformats.org/officeDocument/2006/relationships" xmlns:p="http://schemas.openxmlformats.org/presentationml/2006/main">
+  <p:cSld>
+    <p:spTree>
+      <p:nvGrpSpPr>
+        <p:cNvPr id="1" name=""/>
+        <p:cNvGrpSpPr/>
+        <p:nvPr/>
+      </p:nvGrpSpPr>
+      <p:grpSpPr>
+        <a:xfrm>
+          <a:off x="0" y="0"/>
+          <a:ext cx="0" cy="0"/>
+          <a:chOff x="0" y="0"/>
+          <a:chExt cx="0" cy="0"/>
+        </a:xfrm>
+      </p:grpSpPr>
+      <p:sp>
+        <p:nvSpPr>
+          <p:cNvPr id="2" name="Slide Image Placeholder 1"/>
+          <p:cNvSpPr>
+            <a:spLocks noGrp="1" noRot="1" noChangeAspect="1"/>
+          </p:cNvSpPr>
+          <p:nvPr>
+            <p:ph type="sldImg"/>
+          </p:nvPr>
+        </p:nvSpPr>
+        <p:spPr/>
+      </p:sp>
+      <p:sp>
+        <p:nvSpPr>
+          <p:cNvPr id="3" name="Notes Placeholder 2"/>
+          <p:cNvSpPr>
+            <a:spLocks noGrp="1"/>
+          </p:cNvSpPr>
+          <p:nvPr>
+            <p:ph type="body" idx="1"/>
+          </p:nvPr>
+        </p:nvSpPr>
+        <p:spPr/>
+        <p:txBody>
+          <a:bodyPr/>
+          <a:lstStyle/>
+          <a:p>
+            <a:endParaRPr lang="en-US" dirty="0"/>
+          </a:p>
+        </p:txBody>
+      </p:sp>
+      <p:sp>
+        <p:nvSpPr>
+          <p:cNvPr id="4" name="Slide Number Placeholder 3"/>
+          <p:cNvSpPr>
+            <a:spLocks noGrp="1"/>
+          </p:cNvSpPr>
+          <p:nvPr>
+            <p:ph type="sldNum" sz="quarter" idx="10"/>
+          </p:nvPr>
+        </p:nvSpPr>
+        <p:spPr/>
+        <p:txBody>
+          <a:bodyPr/>
+          <a:lstStyle/>
+          <a:p>
+            <a:fld id="{006BE02D-20C0-F840-AFAC-BEA99C74FDC2}" type="slidenum">
+              <a:rPr lang="en-US" smtClean="0"/>
+              <a:pPr/>
+              <a:t>11</a:t>
+            </a:fld>
+            <a:endParaRPr lang="en-US" dirty="0"/>
+          </a:p>
+        </p:txBody>
+      </p:sp>
+    </p:spTree>
+    <p:extLst>
+      <p:ext uri="{BB962C8B-B14F-4D97-AF65-F5344CB8AC3E}">
+        <p14:creationId xmlns:p14="http://schemas.microsoft.com/office/powerpoint/2010/main" val="875437514"/>
       </p:ext>
     </p:extLst>
   </p:cSld>
@@ -6144,6 +6230,358 @@
 </p:sld>
 </file>
 
+<file path=ppt/slides/slide11.xml><?xml version="1.0" encoding="utf-8"?>
+<p:sld xmlns:a="http://schemas.openxmlformats.org/drawingml/2006/main" xmlns:r="http://schemas.openxmlformats.org/officeDocument/2006/relationships" xmlns:p="http://schemas.openxmlformats.org/presentationml/2006/main">
+  <p:cSld>
+    <p:spTree>
+      <p:nvGrpSpPr>
+        <p:cNvPr id="1" name=""/>
+        <p:cNvGrpSpPr/>
+        <p:nvPr/>
+      </p:nvGrpSpPr>
+      <p:grpSpPr>
+        <a:xfrm>
+          <a:off x="0" y="0"/>
+          <a:ext cx="0" cy="0"/>
+          <a:chOff x="0" y="0"/>
+          <a:chExt cx="0" cy="0"/>
+        </a:xfrm>
+      </p:grpSpPr>
+      <p:pic>
+        <p:nvPicPr>
+          <p:cNvPr id="3" name="Picture Placeholder 2"/>
+          <p:cNvPicPr>
+            <a:picLocks noGrp="1" noChangeAspect="1"/>
+          </p:cNvPicPr>
+          <p:nvPr>
+            <p:ph type="pic" sz="quarter" idx="10"/>
+          </p:nvPr>
+        </p:nvPicPr>
+        <p:blipFill>
+          <a:blip r:embed="rId3">
+            <a:extLst>
+              <a:ext uri="{28A0092B-C50C-407E-A947-70E740481C1C}">
+                <a14:useLocalDpi xmlns:a14="http://schemas.microsoft.com/office/drawing/2010/main"/>
+              </a:ext>
+            </a:extLst>
+          </a:blip>
+          <a:srcRect l="17573" r="17573"/>
+          <a:stretch>
+            <a:fillRect/>
+          </a:stretch>
+        </p:blipFill>
+        <p:spPr/>
+      </p:pic>
+      <p:sp>
+        <p:nvSpPr>
+          <p:cNvPr id="10" name="Rectangle 9"/>
+          <p:cNvSpPr/>
+          <p:nvPr/>
+        </p:nvSpPr>
+        <p:spPr>
+          <a:xfrm>
+            <a:off x="0" y="0"/>
+            <a:ext cx="24377650" cy="13716000"/>
+          </a:xfrm>
+          <a:prstGeom prst="rect">
+            <a:avLst/>
+          </a:prstGeom>
+          <a:solidFill>
+            <a:schemeClr val="tx2">
+              <a:lumMod val="85000"/>
+              <a:lumOff val="15000"/>
+              <a:alpha val="80000"/>
+            </a:schemeClr>
+          </a:solidFill>
+          <a:ln>
+            <a:noFill/>
+          </a:ln>
+        </p:spPr>
+        <p:style>
+          <a:lnRef idx="2">
+            <a:schemeClr val="accent1">
+              <a:shade val="50000"/>
+            </a:schemeClr>
+          </a:lnRef>
+          <a:fillRef idx="1">
+            <a:schemeClr val="accent1"/>
+          </a:fillRef>
+          <a:effectRef idx="0">
+            <a:schemeClr val="accent1"/>
+          </a:effectRef>
+          <a:fontRef idx="minor">
+            <a:schemeClr val="lt1"/>
+          </a:fontRef>
+        </p:style>
+        <p:txBody>
+          <a:bodyPr rtlCol="0" anchor="ctr"/>
+          <a:lstStyle/>
+          <a:p>
+            <a:pPr algn="ctr"/>
+            <a:r>
+              <a:rPr lang="en-US" sz="4800" dirty="0" smtClean="0">
+                <a:latin typeface="Segoe UI" panose="020B0502040204020203" pitchFamily="34" charset="0"/>
+              </a:rPr>
+              <a:t> </a:t>
+            </a:r>
+            <a:endParaRPr lang="en-US" sz="4800" dirty="0">
+              <a:latin typeface="Segoe UI" panose="020B0502040204020203" pitchFamily="34" charset="0"/>
+            </a:endParaRPr>
+          </a:p>
+        </p:txBody>
+      </p:sp>
+      <p:sp>
+        <p:nvSpPr>
+          <p:cNvPr id="11" name="Rectangle 10"/>
+          <p:cNvSpPr/>
+          <p:nvPr/>
+        </p:nvSpPr>
+        <p:spPr>
+          <a:xfrm rot="16200000">
+            <a:off x="8231680" y="2900855"/>
+            <a:ext cx="7914290" cy="7914290"/>
+          </a:xfrm>
+          <a:prstGeom prst="rect">
+            <a:avLst/>
+          </a:prstGeom>
+          <a:noFill/>
+          <a:ln w="152400">
+            <a:solidFill>
+              <a:schemeClr val="bg1"/>
+            </a:solidFill>
+          </a:ln>
+        </p:spPr>
+        <p:style>
+          <a:lnRef idx="2">
+            <a:schemeClr val="accent1">
+              <a:shade val="50000"/>
+            </a:schemeClr>
+          </a:lnRef>
+          <a:fillRef idx="1">
+            <a:schemeClr val="accent1"/>
+          </a:fillRef>
+          <a:effectRef idx="0">
+            <a:schemeClr val="accent1"/>
+          </a:effectRef>
+          <a:fontRef idx="minor">
+            <a:schemeClr val="lt1"/>
+          </a:fontRef>
+        </p:style>
+        <p:txBody>
+          <a:bodyPr rot="0" spcFirstLastPara="0" vertOverflow="overflow" horzOverflow="overflow" vert="horz" wrap="square" lIns="91440" tIns="45720" rIns="91440" bIns="45720" numCol="1" spcCol="0" rtlCol="0" fromWordArt="0" anchor="ctr" anchorCtr="0" forceAA="0" compatLnSpc="1">
+            <a:prstTxWarp prst="textNoShape">
+              <a:avLst/>
+            </a:prstTxWarp>
+            <a:noAutofit/>
+          </a:bodyPr>
+          <a:lstStyle/>
+          <a:p>
+            <a:pPr algn="ctr"/>
+            <a:endParaRPr lang="en-US" sz="3200">
+              <a:latin typeface="Segoe UI" panose="020B0502040204020203" pitchFamily="34" charset="0"/>
+            </a:endParaRPr>
+          </a:p>
+        </p:txBody>
+      </p:sp>
+      <p:sp>
+        <p:nvSpPr>
+          <p:cNvPr id="7" name="TextBox 6"/>
+          <p:cNvSpPr txBox="1"/>
+          <p:nvPr/>
+        </p:nvSpPr>
+        <p:spPr>
+          <a:xfrm>
+            <a:off x="8781704" y="7122694"/>
+            <a:ext cx="6814239" cy="3046988"/>
+          </a:xfrm>
+          <a:prstGeom prst="rect">
+            <a:avLst/>
+          </a:prstGeom>
+          <a:noFill/>
+        </p:spPr>
+        <p:txBody>
+          <a:bodyPr wrap="square" rtlCol="0">
+            <a:spAutoFit/>
+          </a:bodyPr>
+          <a:lstStyle/>
+          <a:p>
+            <a:r>
+              <a:rPr lang="en-US" sz="9600" spc="600" dirty="0" smtClean="0">
+                <a:solidFill>
+                  <a:schemeClr val="bg1"/>
+                </a:solidFill>
+                <a:latin typeface="Segoe UI" panose="020B0502040204020203" pitchFamily="34" charset="0"/>
+                <a:ea typeface="Oswald" charset="0"/>
+                <a:cs typeface="Oswald" charset="0"/>
+              </a:rPr>
+              <a:t>Our</a:t>
+            </a:r>
+          </a:p>
+          <a:p>
+            <a:r>
+              <a:rPr lang="en-US" sz="9600" spc="600" dirty="0" smtClean="0">
+                <a:solidFill>
+                  <a:schemeClr val="bg1"/>
+                </a:solidFill>
+                <a:latin typeface="Segoe UI" panose="020B0502040204020203" pitchFamily="34" charset="0"/>
+                <a:ea typeface="Oswald" charset="0"/>
+                <a:cs typeface="Oswald" charset="0"/>
+              </a:rPr>
+              <a:t>Web</a:t>
+            </a:r>
+            <a:r>
+              <a:rPr lang="zh-CN" altLang="en-US" sz="9600" spc="600" dirty="0" smtClean="0">
+                <a:solidFill>
+                  <a:schemeClr val="bg1"/>
+                </a:solidFill>
+                <a:latin typeface="Segoe UI" panose="020B0502040204020203" pitchFamily="34" charset="0"/>
+                <a:ea typeface="Oswald" charset="0"/>
+                <a:cs typeface="Oswald" charset="0"/>
+              </a:rPr>
+              <a:t> </a:t>
+            </a:r>
+            <a:r>
+              <a:rPr lang="en-US" sz="9600" spc="600" dirty="0" smtClean="0">
+                <a:solidFill>
+                  <a:schemeClr val="bg1"/>
+                </a:solidFill>
+                <a:latin typeface="Segoe UI" panose="020B0502040204020203" pitchFamily="34" charset="0"/>
+                <a:ea typeface="Oswald" charset="0"/>
+                <a:cs typeface="Oswald" charset="0"/>
+              </a:rPr>
+              <a:t>Site</a:t>
+            </a:r>
+            <a:endParaRPr lang="en-US" sz="9600" spc="600" dirty="0">
+              <a:solidFill>
+                <a:schemeClr val="bg1"/>
+              </a:solidFill>
+              <a:latin typeface="Segoe UI" panose="020B0502040204020203" pitchFamily="34" charset="0"/>
+              <a:ea typeface="Oswald" charset="0"/>
+              <a:cs typeface="Oswald" charset="0"/>
+            </a:endParaRPr>
+          </a:p>
+        </p:txBody>
+      </p:sp>
+      <p:sp>
+        <p:nvSpPr>
+          <p:cNvPr id="9" name="TextBox 8"/>
+          <p:cNvSpPr txBox="1"/>
+          <p:nvPr/>
+        </p:nvSpPr>
+        <p:spPr>
+          <a:xfrm>
+            <a:off x="8774613" y="3888766"/>
+            <a:ext cx="6814239" cy="1384995"/>
+          </a:xfrm>
+          <a:prstGeom prst="rect">
+            <a:avLst/>
+          </a:prstGeom>
+          <a:noFill/>
+        </p:spPr>
+        <p:txBody>
+          <a:bodyPr wrap="square" rtlCol="0">
+            <a:spAutoFit/>
+          </a:bodyPr>
+          <a:lstStyle/>
+          <a:p>
+            <a:r>
+              <a:rPr lang="en-US" sz="2800" b="1" spc="1200" dirty="0" smtClean="0">
+                <a:solidFill>
+                  <a:schemeClr val="bg1"/>
+                </a:solidFill>
+                <a:latin typeface="Segoe UI" panose="020B0502040204020203" pitchFamily="34" charset="0"/>
+                <a:ea typeface="Oswald" charset="0"/>
+                <a:cs typeface="Oswald" charset="0"/>
+              </a:rPr>
+              <a:t>Ready</a:t>
+            </a:r>
+          </a:p>
+          <a:p>
+            <a:r>
+              <a:rPr lang="en-US" sz="2800" b="1" spc="1200" dirty="0" smtClean="0">
+                <a:solidFill>
+                  <a:schemeClr val="bg1"/>
+                </a:solidFill>
+                <a:latin typeface="Segoe UI" panose="020B0502040204020203" pitchFamily="34" charset="0"/>
+                <a:ea typeface="Oswald" charset="0"/>
+                <a:cs typeface="Oswald" charset="0"/>
+              </a:rPr>
+              <a:t>  &amp;</a:t>
+            </a:r>
+          </a:p>
+          <a:p>
+            <a:r>
+              <a:rPr lang="en-US" sz="2800" b="1" spc="1200" dirty="0" smtClean="0">
+                <a:solidFill>
+                  <a:schemeClr val="bg1"/>
+                </a:solidFill>
+                <a:latin typeface="Segoe UI" panose="020B0502040204020203" pitchFamily="34" charset="0"/>
+                <a:ea typeface="Oswald" charset="0"/>
+                <a:cs typeface="Oswald" charset="0"/>
+              </a:rPr>
+              <a:t>To be Continued</a:t>
+            </a:r>
+            <a:endParaRPr lang="en-US" sz="2800" b="1" spc="1200" dirty="0">
+              <a:solidFill>
+                <a:schemeClr val="bg1"/>
+              </a:solidFill>
+              <a:latin typeface="Segoe UI" panose="020B0502040204020203" pitchFamily="34" charset="0"/>
+              <a:ea typeface="Oswald" charset="0"/>
+              <a:cs typeface="Oswald" charset="0"/>
+            </a:endParaRPr>
+          </a:p>
+        </p:txBody>
+      </p:sp>
+      <p:pic>
+        <p:nvPicPr>
+          <p:cNvPr id="8" name="图片 7"/>
+          <p:cNvPicPr>
+            <a:picLocks noChangeAspect="1"/>
+          </p:cNvPicPr>
+          <p:nvPr/>
+        </p:nvPicPr>
+        <p:blipFill>
+          <a:blip r:embed="rId4">
+            <a:extLst>
+              <a:ext uri="{28A0092B-C50C-407E-A947-70E740481C1C}">
+                <a14:useLocalDpi xmlns:a14="http://schemas.microsoft.com/office/drawing/2010/main" val="0"/>
+              </a:ext>
+            </a:extLst>
+          </a:blip>
+          <a:stretch>
+            <a:fillRect/>
+          </a:stretch>
+        </p:blipFill>
+        <p:spPr>
+          <a:xfrm>
+            <a:off x="8781704" y="3457971"/>
+            <a:ext cx="6871361" cy="6871361"/>
+          </a:xfrm>
+          <a:prstGeom prst="rect">
+            <a:avLst/>
+          </a:prstGeom>
+        </p:spPr>
+      </p:pic>
+    </p:spTree>
+    <p:extLst>
+      <p:ext uri="{BB962C8B-B14F-4D97-AF65-F5344CB8AC3E}">
+        <p14:creationId xmlns:p14="http://schemas.microsoft.com/office/powerpoint/2010/main" val="822565467"/>
+      </p:ext>
+    </p:extLst>
+  </p:cSld>
+  <p:clrMapOvr>
+    <a:masterClrMapping/>
+  </p:clrMapOvr>
+  <p:timing>
+    <p:tnLst>
+      <p:par>
+        <p:cTn id="1" dur="indefinite" restart="never" nodeType="tmRoot"/>
+      </p:par>
+    </p:tnLst>
+  </p:timing>
+</p:sld>
+</file>
+
 <file path=ppt/slides/slide2.xml><?xml version="1.0" encoding="utf-8"?>
 <p:sld xmlns:a="http://schemas.openxmlformats.org/drawingml/2006/main" xmlns:r="http://schemas.openxmlformats.org/officeDocument/2006/relationships" xmlns:p="http://schemas.openxmlformats.org/presentationml/2006/main">
   <p:cSld>
@@ -6267,19 +6705,23 @@
           </p:nvPr>
         </p:nvPicPr>
         <p:blipFill>
-          <a:blip r:embed="rId3" cstate="email">
+          <a:blip r:embed="rId3">
             <a:extLst>
               <a:ext uri="{28A0092B-C50C-407E-A947-70E740481C1C}">
-                <a14:useLocalDpi xmlns:a14="http://schemas.microsoft.com/office/drawing/2010/main"/>
+                <a14:useLocalDpi xmlns:a14="http://schemas.microsoft.com/office/drawing/2010/main" val="0"/>
               </a:ext>
             </a:extLst>
           </a:blip>
-          <a:srcRect l="22951" r="22951"/>
           <a:stretch>
             <a:fillRect/>
           </a:stretch>
         </p:blipFill>
-        <p:spPr/>
+        <p:spPr>
+          <a:xfrm>
+            <a:off x="12239556" y="1546880"/>
+            <a:ext cx="10912818" cy="6174720"/>
+          </a:xfrm>
+        </p:spPr>
       </p:pic>
     </p:spTree>
     <p:extLst>
@@ -7442,7 +7884,7 @@
         </p:nvSpPr>
         <p:spPr>
           <a:xfrm>
-            <a:off x="17008025" y="5932238"/>
+            <a:off x="8981636" y="5932238"/>
             <a:ext cx="6642450" cy="1015663"/>
           </a:xfrm>
           <a:prstGeom prst="rect">
@@ -7487,7 +7929,7 @@
         </p:nvSpPr>
         <p:spPr>
           <a:xfrm>
-            <a:off x="19721433" y="7149334"/>
+            <a:off x="13964100" y="7782199"/>
             <a:ext cx="4919240" cy="646331"/>
           </a:xfrm>
           <a:prstGeom prst="rect">
@@ -7530,81 +7972,6 @@
           </a:p>
         </p:txBody>
       </p:sp>
-      <p:pic>
-        <p:nvPicPr>
-          <p:cNvPr id="2" name="Picture Placeholder 1"/>
-          <p:cNvPicPr>
-            <a:picLocks noGrp="1" noChangeAspect="1"/>
-          </p:cNvPicPr>
-          <p:nvPr>
-            <p:ph type="pic" sz="quarter" idx="18"/>
-          </p:nvPr>
-        </p:nvPicPr>
-        <p:blipFill>
-          <a:blip r:embed="rId2" cstate="email">
-            <a:extLst>
-              <a:ext uri="{28A0092B-C50C-407E-A947-70E740481C1C}">
-                <a14:useLocalDpi xmlns:a14="http://schemas.microsoft.com/office/drawing/2010/main"/>
-              </a:ext>
-            </a:extLst>
-          </a:blip>
-          <a:srcRect l="10056" r="10056"/>
-          <a:stretch>
-            <a:fillRect/>
-          </a:stretch>
-        </p:blipFill>
-        <p:spPr/>
-      </p:pic>
-      <p:pic>
-        <p:nvPicPr>
-          <p:cNvPr id="3" name="Picture Placeholder 2"/>
-          <p:cNvPicPr>
-            <a:picLocks noGrp="1" noChangeAspect="1"/>
-          </p:cNvPicPr>
-          <p:nvPr>
-            <p:ph type="pic" sz="quarter" idx="20"/>
-          </p:nvPr>
-        </p:nvPicPr>
-        <p:blipFill>
-          <a:blip r:embed="rId3" cstate="email">
-            <a:extLst>
-              <a:ext uri="{28A0092B-C50C-407E-A947-70E740481C1C}">
-                <a14:useLocalDpi xmlns:a14="http://schemas.microsoft.com/office/drawing/2010/main"/>
-              </a:ext>
-            </a:extLst>
-          </a:blip>
-          <a:srcRect l="14494" r="14494"/>
-          <a:stretch>
-            <a:fillRect/>
-          </a:stretch>
-        </p:blipFill>
-        <p:spPr/>
-      </p:pic>
-      <p:pic>
-        <p:nvPicPr>
-          <p:cNvPr id="4" name="Picture Placeholder 3"/>
-          <p:cNvPicPr>
-            <a:picLocks noGrp="1" noChangeAspect="1"/>
-          </p:cNvPicPr>
-          <p:nvPr>
-            <p:ph type="pic" sz="quarter" idx="24"/>
-          </p:nvPr>
-        </p:nvPicPr>
-        <p:blipFill>
-          <a:blip r:embed="rId4">
-            <a:extLst>
-              <a:ext uri="{28A0092B-C50C-407E-A947-70E740481C1C}">
-                <a14:useLocalDpi xmlns:a14="http://schemas.microsoft.com/office/drawing/2010/main"/>
-              </a:ext>
-            </a:extLst>
-          </a:blip>
-          <a:srcRect l="31629" r="31629"/>
-          <a:stretch>
-            <a:fillRect/>
-          </a:stretch>
-        </p:blipFill>
-        <p:spPr/>
-      </p:pic>
       <p:sp>
         <p:nvSpPr>
           <p:cNvPr id="8" name="TextBox 7"/>
@@ -7613,7 +7980,7 @@
         </p:nvSpPr>
         <p:spPr>
           <a:xfrm>
-            <a:off x="17869630" y="4526399"/>
+            <a:off x="9843241" y="4526399"/>
             <a:ext cx="4919240" cy="738664"/>
           </a:xfrm>
           <a:prstGeom prst="rect">
@@ -8577,15 +8944,7 @@
                 <a:ea typeface="Lato Light" charset="0"/>
                 <a:cs typeface="Lato Light" charset="0"/>
               </a:rPr>
-              <a:t>Status</a:t>
-            </a:r>
-            <a:r>
-              <a:rPr lang="en-US" altLang="zh-CN" sz="2800" dirty="0" smtClean="0">
-                <a:latin typeface="Segoe UI" panose="020B0502040204020203" pitchFamily="34" charset="0"/>
-                <a:ea typeface="Lato Light" charset="0"/>
-                <a:cs typeface="Lato Light" charset="0"/>
-              </a:rPr>
-              <a:t> </a:t>
+              <a:t>Status </a:t>
             </a:r>
             <a:r>
               <a:rPr lang="zh-CN" altLang="en-US" sz="2800" dirty="0">
@@ -9164,15 +9523,7 @@
                 <a:ea typeface="Lato Light" charset="0"/>
                 <a:cs typeface="Lato Light" charset="0"/>
               </a:rPr>
-              <a:t>Status</a:t>
-            </a:r>
-            <a:r>
-              <a:rPr lang="en-US" altLang="zh-CN" sz="2800" dirty="0" smtClean="0">
-                <a:latin typeface="Segoe UI" panose="020B0502040204020203" pitchFamily="34" charset="0"/>
-                <a:ea typeface="Lato Light" charset="0"/>
-                <a:cs typeface="Lato Light" charset="0"/>
-              </a:rPr>
-              <a:t> </a:t>
+              <a:t>Status </a:t>
             </a:r>
             <a:r>
               <a:rPr lang="zh-CN" altLang="en-US" sz="2800" dirty="0">
@@ -9491,15 +9842,7 @@
                 <a:ea typeface="Lato Light" charset="0"/>
                 <a:cs typeface="Lato Light" charset="0"/>
               </a:rPr>
-              <a:t> </a:t>
-            </a:r>
-            <a:r>
-              <a:rPr lang="zh-CN" altLang="en-US" sz="2800" dirty="0" smtClean="0">
-                <a:latin typeface="Segoe UI" panose="020B0502040204020203" pitchFamily="34" charset="0"/>
-                <a:ea typeface="Lato Light" charset="0"/>
-                <a:cs typeface="Lato Light" charset="0"/>
-              </a:rPr>
-              <a:t>进行更新。</a:t>
+              <a:t> 进行更新。</a:t>
             </a:r>
             <a:endParaRPr lang="en-US" altLang="zh-CN" sz="2800" dirty="0" smtClean="0">
               <a:latin typeface="Segoe UI" panose="020B0502040204020203" pitchFamily="34" charset="0"/>

--- a/slides/缺失信息对图计算迭代过程的影响.pptx
+++ b/slides/缺失信息对图计算迭代过程的影响.pptx
@@ -6534,7 +6534,7 @@
       </p:sp>
       <p:pic>
         <p:nvPicPr>
-          <p:cNvPr id="8" name="图片 7"/>
+          <p:cNvPr id="2" name="图片 1"/>
           <p:cNvPicPr>
             <a:picLocks noChangeAspect="1"/>
           </p:cNvPicPr>
@@ -6554,8 +6554,8 @@
         </p:blipFill>
         <p:spPr>
           <a:xfrm>
-            <a:off x="8781704" y="3457971"/>
-            <a:ext cx="6871361" cy="6871361"/>
+            <a:off x="8546357" y="3222624"/>
+            <a:ext cx="7270750" cy="7270750"/>
           </a:xfrm>
           <a:prstGeom prst="rect">
             <a:avLst/>

--- a/slides/缺失信息对图计算迭代过程的影响.pptx
+++ b/slides/缺失信息对图计算迭代过程的影响.pptx
@@ -6534,7 +6534,7 @@
       </p:sp>
       <p:pic>
         <p:nvPicPr>
-          <p:cNvPr id="2" name="图片 1"/>
+          <p:cNvPr id="4" name="图片 3"/>
           <p:cNvPicPr>
             <a:picLocks noChangeAspect="1"/>
           </p:cNvPicPr>
@@ -6554,8 +6554,8 @@
         </p:blipFill>
         <p:spPr>
           <a:xfrm>
-            <a:off x="8546357" y="3222624"/>
-            <a:ext cx="7270750" cy="7270750"/>
+            <a:off x="8528048" y="3197224"/>
+            <a:ext cx="7321550" cy="7321550"/>
           </a:xfrm>
           <a:prstGeom prst="rect">
             <a:avLst/>
